--- a/posters/LabDataServiceDashboard.pptx
+++ b/posters/LabDataServiceDashboard.pptx
@@ -64,7 +64,7 @@
         <p:spPr>
           <a:xfrm>
             <a:off x="2139480" y="1207440"/>
-            <a:ext cx="38514240" cy="5054040"/>
+            <a:ext cx="38513880" cy="5053680"/>
           </a:xfrm>
           <a:prstGeom prst="rect">
             <a:avLst/>
@@ -108,9 +108,7 @@
           </a:prstGeom>
         </p:spPr>
         <p:txBody>
-          <a:bodyPr lIns="0" rIns="0" tIns="0" bIns="0">
-            <a:normAutofit/>
-          </a:bodyPr>
+          <a:bodyPr lIns="0" rIns="0" tIns="0" bIns="0"/>
           <a:p>
             <a:endParaRPr b="0" lang="en-IN" sz="3200" spc="-1" strike="noStrike">
               <a:solidFill>
@@ -146,9 +144,7 @@
           </a:prstGeom>
         </p:spPr>
         <p:txBody>
-          <a:bodyPr lIns="0" rIns="0" tIns="0" bIns="0">
-            <a:normAutofit/>
-          </a:bodyPr>
+          <a:bodyPr lIns="0" rIns="0" tIns="0" bIns="0"/>
           <a:p>
             <a:endParaRPr b="0" lang="en-IN" sz="3200" spc="-1" strike="noStrike">
               <a:solidFill>
@@ -199,7 +195,7 @@
         <p:spPr>
           <a:xfrm>
             <a:off x="2139480" y="1207440"/>
-            <a:ext cx="38514240" cy="5054040"/>
+            <a:ext cx="38513880" cy="5053680"/>
           </a:xfrm>
           <a:prstGeom prst="rect">
             <a:avLst/>
@@ -243,9 +239,7 @@
           </a:prstGeom>
         </p:spPr>
         <p:txBody>
-          <a:bodyPr lIns="0" rIns="0" tIns="0" bIns="0">
-            <a:normAutofit/>
-          </a:bodyPr>
+          <a:bodyPr lIns="0" rIns="0" tIns="0" bIns="0"/>
           <a:p>
             <a:endParaRPr b="0" lang="en-IN" sz="3200" spc="-1" strike="noStrike">
               <a:solidFill>
@@ -281,9 +275,7 @@
           </a:prstGeom>
         </p:spPr>
         <p:txBody>
-          <a:bodyPr lIns="0" rIns="0" tIns="0" bIns="0">
-            <a:normAutofit/>
-          </a:bodyPr>
+          <a:bodyPr lIns="0" rIns="0" tIns="0" bIns="0"/>
           <a:p>
             <a:endParaRPr b="0" lang="en-IN" sz="3200" spc="-1" strike="noStrike">
               <a:solidFill>
@@ -319,9 +311,7 @@
           </a:prstGeom>
         </p:spPr>
         <p:txBody>
-          <a:bodyPr lIns="0" rIns="0" tIns="0" bIns="0">
-            <a:normAutofit/>
-          </a:bodyPr>
+          <a:bodyPr lIns="0" rIns="0" tIns="0" bIns="0"/>
           <a:p>
             <a:endParaRPr b="0" lang="en-IN" sz="3200" spc="-1" strike="noStrike">
               <a:solidFill>
@@ -357,9 +347,7 @@
           </a:prstGeom>
         </p:spPr>
         <p:txBody>
-          <a:bodyPr lIns="0" rIns="0" tIns="0" bIns="0">
-            <a:normAutofit/>
-          </a:bodyPr>
+          <a:bodyPr lIns="0" rIns="0" tIns="0" bIns="0"/>
           <a:p>
             <a:endParaRPr b="0" lang="en-IN" sz="3200" spc="-1" strike="noStrike">
               <a:solidFill>
@@ -410,7 +398,7 @@
         <p:spPr>
           <a:xfrm>
             <a:off x="2139480" y="1207440"/>
-            <a:ext cx="38514240" cy="5054040"/>
+            <a:ext cx="38513880" cy="5053680"/>
           </a:xfrm>
           <a:prstGeom prst="rect">
             <a:avLst/>
@@ -447,16 +435,14 @@
         <p:spPr>
           <a:xfrm>
             <a:off x="2139480" y="7082280"/>
-            <a:ext cx="12401280" cy="8373240"/>
-          </a:xfrm>
-          <a:prstGeom prst="rect">
-            <a:avLst/>
-          </a:prstGeom>
-        </p:spPr>
-        <p:txBody>
-          <a:bodyPr lIns="0" rIns="0" tIns="0" bIns="0">
-            <a:normAutofit/>
-          </a:bodyPr>
+            <a:ext cx="38514240" cy="17554680"/>
+          </a:xfrm>
+          <a:prstGeom prst="rect">
+            <a:avLst/>
+          </a:prstGeom>
+        </p:spPr>
+        <p:txBody>
+          <a:bodyPr lIns="0" rIns="0" tIns="0" bIns="0"/>
           <a:p>
             <a:endParaRPr b="0" lang="en-IN" sz="3200" spc="-1" strike="noStrike">
               <a:solidFill>
@@ -484,17 +470,15 @@
         </p:nvSpPr>
         <p:spPr>
           <a:xfrm>
-            <a:off x="15161040" y="7082280"/>
-            <a:ext cx="12401280" cy="8373240"/>
-          </a:xfrm>
-          <a:prstGeom prst="rect">
-            <a:avLst/>
-          </a:prstGeom>
-        </p:spPr>
-        <p:txBody>
-          <a:bodyPr lIns="0" rIns="0" tIns="0" bIns="0">
-            <a:normAutofit/>
-          </a:bodyPr>
+            <a:off x="2139480" y="7082280"/>
+            <a:ext cx="38514240" cy="17554680"/>
+          </a:xfrm>
+          <a:prstGeom prst="rect">
+            <a:avLst/>
+          </a:prstGeom>
+        </p:spPr>
+        <p:txBody>
+          <a:bodyPr lIns="0" rIns="0" tIns="0" bIns="0"/>
           <a:p>
             <a:endParaRPr b="0" lang="en-IN" sz="3200" spc="-1" strike="noStrike">
               <a:solidFill>
@@ -510,158 +494,52 @@
           </a:p>
         </p:txBody>
       </p:sp>
-      <p:sp>
-        <p:nvSpPr>
-          <p:cNvPr id="35" name="PlaceHolder 4"/>
-          <p:cNvSpPr>
-            <a:spLocks noGrp="1"/>
-          </p:cNvSpPr>
-          <p:nvPr>
-            <p:ph type="body"/>
-          </p:nvPr>
-        </p:nvSpPr>
-        <p:spPr>
-          <a:xfrm>
-            <a:off x="28182960" y="7082280"/>
-            <a:ext cx="12401280" cy="8373240"/>
-          </a:xfrm>
-          <a:prstGeom prst="rect">
-            <a:avLst/>
-          </a:prstGeom>
-        </p:spPr>
-        <p:txBody>
-          <a:bodyPr lIns="0" rIns="0" tIns="0" bIns="0">
-            <a:normAutofit/>
-          </a:bodyPr>
-          <a:p>
-            <a:endParaRPr b="0" lang="en-IN" sz="3200" spc="-1" strike="noStrike">
-              <a:solidFill>
-                <a:srgbClr val="000000"/>
-              </a:solidFill>
-              <a:uFill>
-                <a:solidFill>
-                  <a:srgbClr val="ffffff"/>
-                </a:solidFill>
-              </a:uFill>
-              <a:latin typeface="Arial"/>
-            </a:endParaRPr>
-          </a:p>
-        </p:txBody>
-      </p:sp>
-      <p:sp>
-        <p:nvSpPr>
-          <p:cNvPr id="36" name="PlaceHolder 5"/>
-          <p:cNvSpPr>
-            <a:spLocks noGrp="1"/>
-          </p:cNvSpPr>
-          <p:nvPr>
-            <p:ph type="body"/>
-          </p:nvPr>
-        </p:nvSpPr>
-        <p:spPr>
-          <a:xfrm>
-            <a:off x="28182960" y="16251480"/>
-            <a:ext cx="12401280" cy="8373240"/>
-          </a:xfrm>
-          <a:prstGeom prst="rect">
-            <a:avLst/>
-          </a:prstGeom>
-        </p:spPr>
-        <p:txBody>
-          <a:bodyPr lIns="0" rIns="0" tIns="0" bIns="0">
-            <a:normAutofit/>
-          </a:bodyPr>
-          <a:p>
-            <a:endParaRPr b="0" lang="en-IN" sz="3200" spc="-1" strike="noStrike">
-              <a:solidFill>
-                <a:srgbClr val="000000"/>
-              </a:solidFill>
-              <a:uFill>
-                <a:solidFill>
-                  <a:srgbClr val="ffffff"/>
-                </a:solidFill>
-              </a:uFill>
-              <a:latin typeface="Arial"/>
-            </a:endParaRPr>
-          </a:p>
-        </p:txBody>
-      </p:sp>
-      <p:sp>
-        <p:nvSpPr>
-          <p:cNvPr id="37" name="PlaceHolder 6"/>
-          <p:cNvSpPr>
-            <a:spLocks noGrp="1"/>
-          </p:cNvSpPr>
-          <p:nvPr>
-            <p:ph type="body"/>
-          </p:nvPr>
-        </p:nvSpPr>
-        <p:spPr>
-          <a:xfrm>
-            <a:off x="15161040" y="16251480"/>
-            <a:ext cx="12401280" cy="8373240"/>
-          </a:xfrm>
-          <a:prstGeom prst="rect">
-            <a:avLst/>
-          </a:prstGeom>
-        </p:spPr>
-        <p:txBody>
-          <a:bodyPr lIns="0" rIns="0" tIns="0" bIns="0">
-            <a:normAutofit/>
-          </a:bodyPr>
-          <a:p>
-            <a:endParaRPr b="0" lang="en-IN" sz="3200" spc="-1" strike="noStrike">
-              <a:solidFill>
-                <a:srgbClr val="000000"/>
-              </a:solidFill>
-              <a:uFill>
-                <a:solidFill>
-                  <a:srgbClr val="ffffff"/>
-                </a:solidFill>
-              </a:uFill>
-              <a:latin typeface="Arial"/>
-            </a:endParaRPr>
-          </a:p>
-        </p:txBody>
-      </p:sp>
-      <p:sp>
-        <p:nvSpPr>
-          <p:cNvPr id="38" name="PlaceHolder 7"/>
-          <p:cNvSpPr>
-            <a:spLocks noGrp="1"/>
-          </p:cNvSpPr>
-          <p:nvPr>
-            <p:ph type="body"/>
-          </p:nvPr>
-        </p:nvSpPr>
-        <p:spPr>
-          <a:xfrm>
-            <a:off x="2139480" y="16251480"/>
-            <a:ext cx="12401280" cy="8373240"/>
-          </a:xfrm>
-          <a:prstGeom prst="rect">
-            <a:avLst/>
-          </a:prstGeom>
-        </p:spPr>
-        <p:txBody>
-          <a:bodyPr lIns="0" rIns="0" tIns="0" bIns="0">
-            <a:normAutofit/>
-          </a:bodyPr>
-          <a:p>
-            <a:endParaRPr b="0" lang="en-IN" sz="3200" spc="-1" strike="noStrike">
-              <a:solidFill>
-                <a:srgbClr val="000000"/>
-              </a:solidFill>
-              <a:uFill>
-                <a:solidFill>
-                  <a:srgbClr val="ffffff"/>
-                </a:solidFill>
-              </a:uFill>
-              <a:latin typeface="Arial"/>
-            </a:endParaRPr>
-          </a:p>
-        </p:txBody>
-      </p:sp>
+      <p:pic>
+        <p:nvPicPr>
+          <p:cNvPr id="35" name="" descr=""/>
+          <p:cNvPicPr/>
+          <p:nvPr/>
+        </p:nvPicPr>
+        <p:blipFill>
+          <a:blip r:embed="rId2"/>
+          <a:stretch/>
+        </p:blipFill>
+        <p:spPr>
+          <a:xfrm>
+            <a:off x="10395720" y="7081920"/>
+            <a:ext cx="22001760" cy="17554680"/>
+          </a:xfrm>
+          <a:prstGeom prst="rect">
+            <a:avLst/>
+          </a:prstGeom>
+          <a:ln>
+            <a:noFill/>
+          </a:ln>
+        </p:spPr>
+      </p:pic>
+      <p:pic>
+        <p:nvPicPr>
+          <p:cNvPr id="36" name="" descr=""/>
+          <p:cNvPicPr/>
+          <p:nvPr/>
+        </p:nvPicPr>
+        <p:blipFill>
+          <a:blip r:embed="rId3"/>
+          <a:stretch/>
+        </p:blipFill>
+        <p:spPr>
+          <a:xfrm>
+            <a:off x="10395720" y="7081920"/>
+            <a:ext cx="22001760" cy="17554680"/>
+          </a:xfrm>
+          <a:prstGeom prst="rect">
+            <a:avLst/>
+          </a:prstGeom>
+          <a:ln>
+            <a:noFill/>
+          </a:ln>
+        </p:spPr>
+      </p:pic>
     </p:spTree>
   </p:cSld>
 </p:sldLayout>
@@ -697,7 +575,7 @@
         <p:spPr>
           <a:xfrm>
             <a:off x="2139480" y="1207440"/>
-            <a:ext cx="38514240" cy="5054040"/>
+            <a:ext cx="38513880" cy="5053680"/>
           </a:xfrm>
           <a:prstGeom prst="rect">
             <a:avLst/>
@@ -793,7 +671,7 @@
         <p:spPr>
           <a:xfrm>
             <a:off x="2139480" y="1207440"/>
-            <a:ext cx="38514240" cy="5054040"/>
+            <a:ext cx="38513880" cy="5053680"/>
           </a:xfrm>
           <a:prstGeom prst="rect">
             <a:avLst/>
@@ -837,9 +715,7 @@
           </a:prstGeom>
         </p:spPr>
         <p:txBody>
-          <a:bodyPr lIns="0" rIns="0" tIns="0" bIns="0">
-            <a:normAutofit/>
-          </a:bodyPr>
+          <a:bodyPr lIns="0" rIns="0" tIns="0" bIns="0"/>
           <a:p>
             <a:endParaRPr b="0" lang="en-IN" sz="3200" spc="-1" strike="noStrike">
               <a:solidFill>
@@ -890,7 +766,7 @@
         <p:spPr>
           <a:xfrm>
             <a:off x="2139480" y="1207440"/>
-            <a:ext cx="38514240" cy="5054040"/>
+            <a:ext cx="38513880" cy="5053680"/>
           </a:xfrm>
           <a:prstGeom prst="rect">
             <a:avLst/>
@@ -934,9 +810,7 @@
           </a:prstGeom>
         </p:spPr>
         <p:txBody>
-          <a:bodyPr lIns="0" rIns="0" tIns="0" bIns="0">
-            <a:normAutofit/>
-          </a:bodyPr>
+          <a:bodyPr lIns="0" rIns="0" tIns="0" bIns="0"/>
           <a:p>
             <a:endParaRPr b="0" lang="en-IN" sz="3200" spc="-1" strike="noStrike">
               <a:solidFill>
@@ -972,9 +846,7 @@
           </a:prstGeom>
         </p:spPr>
         <p:txBody>
-          <a:bodyPr lIns="0" rIns="0" tIns="0" bIns="0">
-            <a:normAutofit/>
-          </a:bodyPr>
+          <a:bodyPr lIns="0" rIns="0" tIns="0" bIns="0"/>
           <a:p>
             <a:endParaRPr b="0" lang="en-IN" sz="3200" spc="-1" strike="noStrike">
               <a:solidFill>
@@ -1025,7 +897,7 @@
         <p:spPr>
           <a:xfrm>
             <a:off x="2139480" y="1207440"/>
-            <a:ext cx="38514240" cy="5054040"/>
+            <a:ext cx="38513880" cy="5053680"/>
           </a:xfrm>
           <a:prstGeom prst="rect">
             <a:avLst/>
@@ -1084,7 +956,7 @@
         <p:spPr>
           <a:xfrm>
             <a:off x="2139480" y="1207440"/>
-            <a:ext cx="38514240" cy="23428800"/>
+            <a:ext cx="38513880" cy="23427000"/>
           </a:xfrm>
           <a:prstGeom prst="rect">
             <a:avLst/>
@@ -1143,7 +1015,7 @@
         <p:spPr>
           <a:xfrm>
             <a:off x="2139480" y="1207440"/>
-            <a:ext cx="38514240" cy="5054040"/>
+            <a:ext cx="38513880" cy="5053680"/>
           </a:xfrm>
           <a:prstGeom prst="rect">
             <a:avLst/>
@@ -1187,9 +1059,7 @@
           </a:prstGeom>
         </p:spPr>
         <p:txBody>
-          <a:bodyPr lIns="0" rIns="0" tIns="0" bIns="0">
-            <a:normAutofit/>
-          </a:bodyPr>
+          <a:bodyPr lIns="0" rIns="0" tIns="0" bIns="0"/>
           <a:p>
             <a:endParaRPr b="0" lang="en-IN" sz="3200" spc="-1" strike="noStrike">
               <a:solidFill>
@@ -1225,9 +1095,7 @@
           </a:prstGeom>
         </p:spPr>
         <p:txBody>
-          <a:bodyPr lIns="0" rIns="0" tIns="0" bIns="0">
-            <a:normAutofit/>
-          </a:bodyPr>
+          <a:bodyPr lIns="0" rIns="0" tIns="0" bIns="0"/>
           <a:p>
             <a:endParaRPr b="0" lang="en-IN" sz="3200" spc="-1" strike="noStrike">
               <a:solidFill>
@@ -1263,9 +1131,7 @@
           </a:prstGeom>
         </p:spPr>
         <p:txBody>
-          <a:bodyPr lIns="0" rIns="0" tIns="0" bIns="0">
-            <a:normAutofit/>
-          </a:bodyPr>
+          <a:bodyPr lIns="0" rIns="0" tIns="0" bIns="0"/>
           <a:p>
             <a:endParaRPr b="0" lang="en-IN" sz="3200" spc="-1" strike="noStrike">
               <a:solidFill>
@@ -1316,7 +1182,7 @@
         <p:spPr>
           <a:xfrm>
             <a:off x="2139480" y="1207440"/>
-            <a:ext cx="38514240" cy="5054040"/>
+            <a:ext cx="38513880" cy="5053680"/>
           </a:xfrm>
           <a:prstGeom prst="rect">
             <a:avLst/>
@@ -1360,9 +1226,7 @@
           </a:prstGeom>
         </p:spPr>
         <p:txBody>
-          <a:bodyPr lIns="0" rIns="0" tIns="0" bIns="0">
-            <a:normAutofit/>
-          </a:bodyPr>
+          <a:bodyPr lIns="0" rIns="0" tIns="0" bIns="0"/>
           <a:p>
             <a:endParaRPr b="0" lang="en-IN" sz="3200" spc="-1" strike="noStrike">
               <a:solidFill>
@@ -1398,9 +1262,7 @@
           </a:prstGeom>
         </p:spPr>
         <p:txBody>
-          <a:bodyPr lIns="0" rIns="0" tIns="0" bIns="0">
-            <a:normAutofit/>
-          </a:bodyPr>
+          <a:bodyPr lIns="0" rIns="0" tIns="0" bIns="0"/>
           <a:p>
             <a:endParaRPr b="0" lang="en-IN" sz="3200" spc="-1" strike="noStrike">
               <a:solidFill>
@@ -1436,9 +1298,7 @@
           </a:prstGeom>
         </p:spPr>
         <p:txBody>
-          <a:bodyPr lIns="0" rIns="0" tIns="0" bIns="0">
-            <a:normAutofit/>
-          </a:bodyPr>
+          <a:bodyPr lIns="0" rIns="0" tIns="0" bIns="0"/>
           <a:p>
             <a:endParaRPr b="0" lang="en-IN" sz="3200" spc="-1" strike="noStrike">
               <a:solidFill>
@@ -1489,7 +1349,7 @@
         <p:spPr>
           <a:xfrm>
             <a:off x="2139480" y="1207440"/>
-            <a:ext cx="38514240" cy="5054040"/>
+            <a:ext cx="38513880" cy="5053680"/>
           </a:xfrm>
           <a:prstGeom prst="rect">
             <a:avLst/>
@@ -1533,9 +1393,7 @@
           </a:prstGeom>
         </p:spPr>
         <p:txBody>
-          <a:bodyPr lIns="0" rIns="0" tIns="0" bIns="0">
-            <a:normAutofit/>
-          </a:bodyPr>
+          <a:bodyPr lIns="0" rIns="0" tIns="0" bIns="0"/>
           <a:p>
             <a:endParaRPr b="0" lang="en-IN" sz="3200" spc="-1" strike="noStrike">
               <a:solidFill>
@@ -1571,9 +1429,7 @@
           </a:prstGeom>
         </p:spPr>
         <p:txBody>
-          <a:bodyPr lIns="0" rIns="0" tIns="0" bIns="0">
-            <a:normAutofit/>
-          </a:bodyPr>
+          <a:bodyPr lIns="0" rIns="0" tIns="0" bIns="0"/>
           <a:p>
             <a:endParaRPr b="0" lang="en-IN" sz="3200" spc="-1" strike="noStrike">
               <a:solidFill>
@@ -1609,9 +1465,7 @@
           </a:prstGeom>
         </p:spPr>
         <p:txBody>
-          <a:bodyPr lIns="0" rIns="0" tIns="0" bIns="0">
-            <a:normAutofit/>
-          </a:bodyPr>
+          <a:bodyPr lIns="0" rIns="0" tIns="0" bIns="0"/>
           <a:p>
             <a:endParaRPr b="0" lang="en-IN" sz="3200" spc="-1" strike="noStrike">
               <a:solidFill>
@@ -1669,7 +1523,7 @@
         <p:spPr>
           <a:xfrm>
             <a:off x="720" y="0"/>
-            <a:ext cx="42791760" cy="30266280"/>
+            <a:ext cx="42791400" cy="30265920"/>
           </a:xfrm>
           <a:prstGeom prst="rect">
             <a:avLst/>
@@ -1692,7 +1546,7 @@
         <p:spPr>
           <a:xfrm>
             <a:off x="2139480" y="1207440"/>
-            <a:ext cx="38514240" cy="5054040"/>
+            <a:ext cx="38513880" cy="5053680"/>
           </a:xfrm>
           <a:prstGeom prst="rect">
             <a:avLst/>
@@ -1702,20 +1556,6 @@
           <a:bodyPr lIns="0" rIns="0" tIns="0" bIns="0" anchor="ctr"/>
           <a:p>
             <a:pPr algn="ctr"/>
-            <a:r>
-              <a:rPr b="0" lang="en-IN" sz="4400" spc="-1" strike="noStrike">
-                <a:solidFill>
-                  <a:srgbClr val="000000"/>
-                </a:solidFill>
-                <a:uFill>
-                  <a:solidFill>
-                    <a:srgbClr val="ffffff"/>
-                  </a:solidFill>
-                </a:uFill>
-                <a:latin typeface="Arial"/>
-              </a:rPr>
-              <a:t>Click to edit the title text format</a:t>
-            </a:r>
             <a:endParaRPr b="0" lang="en-IN" sz="4400" spc="-1" strike="noStrike">
               <a:solidFill>
                 <a:srgbClr val="000000"/>
@@ -1750,14 +1590,9 @@
           </a:prstGeom>
         </p:spPr>
         <p:txBody>
-          <a:bodyPr lIns="0" rIns="0" tIns="0" bIns="0">
-            <a:normAutofit/>
-          </a:bodyPr>
+          <a:bodyPr lIns="0" rIns="0" tIns="0" bIns="0"/>
           <a:p>
             <a:pPr marL="432000" indent="-324000">
-              <a:spcBef>
-                <a:spcPts val="1417"/>
-              </a:spcBef>
               <a:buClr>
                 <a:srgbClr val="000000"/>
               </a:buClr>
@@ -1793,9 +1628,6 @@
           </a:p>
           <a:p>
             <a:pPr lvl="1" marL="864000" indent="-324000">
-              <a:spcBef>
-                <a:spcPts val="1134"/>
-              </a:spcBef>
               <a:buClr>
                 <a:srgbClr val="000000"/>
               </a:buClr>
@@ -1831,9 +1663,6 @@
           </a:p>
           <a:p>
             <a:pPr lvl="2" marL="1296000" indent="-288000">
-              <a:spcBef>
-                <a:spcPts val="850"/>
-              </a:spcBef>
               <a:buClr>
                 <a:srgbClr val="000000"/>
               </a:buClr>
@@ -1869,9 +1698,6 @@
           </a:p>
           <a:p>
             <a:pPr lvl="3" marL="1728000" indent="-216000">
-              <a:spcBef>
-                <a:spcPts val="567"/>
-              </a:spcBef>
               <a:buClr>
                 <a:srgbClr val="000000"/>
               </a:buClr>
@@ -1907,9 +1733,6 @@
           </a:p>
           <a:p>
             <a:pPr lvl="4" marL="2160000" indent="-216000">
-              <a:spcBef>
-                <a:spcPts val="283"/>
-              </a:spcBef>
               <a:buClr>
                 <a:srgbClr val="000000"/>
               </a:buClr>
@@ -1945,9 +1768,6 @@
           </a:p>
           <a:p>
             <a:pPr lvl="5" marL="2592000" indent="-216000">
-              <a:spcBef>
-                <a:spcPts val="283"/>
-              </a:spcBef>
               <a:buClr>
                 <a:srgbClr val="000000"/>
               </a:buClr>
@@ -1983,9 +1803,6 @@
           </a:p>
           <a:p>
             <a:pPr lvl="6" marL="3024000" indent="-216000">
-              <a:spcBef>
-                <a:spcPts val="283"/>
-              </a:spcBef>
               <a:buClr>
                 <a:srgbClr val="000000"/>
               </a:buClr>
@@ -2060,14 +1877,14 @@
       </p:grpSpPr>
       <p:sp>
         <p:nvSpPr>
-          <p:cNvPr id="39" name="CustomShape 1"/>
+          <p:cNvPr id="37" name="CustomShape 1"/>
           <p:cNvSpPr/>
           <p:nvPr/>
         </p:nvSpPr>
         <p:spPr>
           <a:xfrm>
             <a:off x="967320" y="298800"/>
-            <a:ext cx="29119320" cy="2481840"/>
+            <a:ext cx="29118960" cy="2481480"/>
           </a:xfrm>
           <a:prstGeom prst="rect">
             <a:avLst/>
@@ -2102,61 +1919,34 @@
                   </a:solidFill>
                 </a:uFill>
                 <a:latin typeface="Calibri"/>
+                <a:ea typeface="DejaVu Sans"/>
               </a:rPr>
-              <a:t>Data Service </a:t>
+              <a:t>Data Service Dashboard for Virtual Labs</a:t>
             </a:r>
-            <a:r>
-              <a:rPr b="1" lang="en-IN" sz="8800" spc="-1" strike="noStrike">
-                <a:solidFill>
-                  <a:srgbClr val="ffffff"/>
-                </a:solidFill>
-                <a:uFill>
-                  <a:solidFill>
-                    <a:srgbClr val="ffffff"/>
-                  </a:solidFill>
-                </a:uFill>
-                <a:latin typeface="Calibri"/>
-              </a:rPr>
-              <a:t>Dashboard for </a:t>
-            </a:r>
-            <a:r>
-              <a:rPr b="1" lang="en-IN" sz="8800" spc="-1" strike="noStrike">
-                <a:solidFill>
-                  <a:srgbClr val="ffffff"/>
-                </a:solidFill>
-                <a:uFill>
-                  <a:solidFill>
-                    <a:srgbClr val="ffffff"/>
-                  </a:solidFill>
-                </a:uFill>
-                <a:latin typeface="Calibri"/>
-              </a:rPr>
-              <a:t>Virtual Labs</a:t>
-            </a:r>
-            <a:endParaRPr b="0" lang="en-IN" sz="8800" spc="-1" strike="noStrike">
-              <a:solidFill>
-                <a:srgbClr val="000000"/>
-              </a:solidFill>
-              <a:uFill>
-                <a:solidFill>
-                  <a:srgbClr val="ffffff"/>
-                </a:solidFill>
-              </a:uFill>
-              <a:latin typeface="Arial"/>
-            </a:endParaRPr>
-          </a:p>
-        </p:txBody>
-      </p:sp>
-      <p:sp>
-        <p:nvSpPr>
-          <p:cNvPr id="40" name="CustomShape 2"/>
+            <a:endParaRPr b="0" lang="en-IN" sz="1800" spc="-1" strike="noStrike">
+              <a:solidFill>
+                <a:srgbClr val="000000"/>
+              </a:solidFill>
+              <a:uFill>
+                <a:solidFill>
+                  <a:srgbClr val="ffffff"/>
+                </a:solidFill>
+              </a:uFill>
+              <a:latin typeface="Arial"/>
+            </a:endParaRPr>
+          </a:p>
+        </p:txBody>
+      </p:sp>
+      <p:sp>
+        <p:nvSpPr>
+          <p:cNvPr id="38" name="CustomShape 2"/>
           <p:cNvSpPr/>
           <p:nvPr/>
         </p:nvSpPr>
         <p:spPr>
           <a:xfrm>
             <a:off x="795600" y="10296000"/>
-            <a:ext cx="11444400" cy="13320000"/>
+            <a:ext cx="11444040" cy="13319640"/>
           </a:xfrm>
           <a:prstGeom prst="rect">
             <a:avLst/>
@@ -2187,14 +1977,14 @@
       </p:sp>
       <p:sp>
         <p:nvSpPr>
-          <p:cNvPr id="41" name="CustomShape 3"/>
+          <p:cNvPr id="39" name="CustomShape 3"/>
           <p:cNvSpPr/>
           <p:nvPr/>
         </p:nvSpPr>
         <p:spPr>
           <a:xfrm>
             <a:off x="1008720" y="10438200"/>
-            <a:ext cx="9431280" cy="1071720"/>
+            <a:ext cx="9430920" cy="1071360"/>
           </a:xfrm>
           <a:prstGeom prst="rect">
             <a:avLst/>
@@ -2233,7 +2023,7 @@
               </a:rPr>
               <a:t>INTRODUCTION</a:t>
             </a:r>
-            <a:endParaRPr b="0" lang="en-IN" sz="5700" spc="-1" strike="noStrike">
+            <a:endParaRPr b="0" lang="en-IN" sz="1800" spc="-1" strike="noStrike">
               <a:solidFill>
                 <a:srgbClr val="000000"/>
               </a:solidFill>
@@ -2251,8 +2041,23 @@
                 <a:spcPct val="100000"/>
               </a:lnSpc>
             </a:pPr>
-            <a:br/>
-            <a:endParaRPr b="0" lang="en-IN" sz="5700" spc="-1" strike="noStrike">
+            <a:r>
+              <a:rPr b="0" lang="en-IN" sz="5700" spc="-1" strike="noStrike">
+                <a:solidFill>
+                  <a:srgbClr val="000000"/>
+                </a:solidFill>
+                <a:uFill>
+                  <a:solidFill>
+                    <a:srgbClr val="ffffff"/>
+                  </a:solidFill>
+                </a:uFill>
+                <a:latin typeface="Arial"/>
+                <a:ea typeface="DejaVu Sans"/>
+              </a:rPr>
+              <a:t>
+</a:t>
+            </a:r>
+            <a:endParaRPr b="0" lang="en-IN" sz="1800" spc="-1" strike="noStrike">
               <a:solidFill>
                 <a:srgbClr val="000000"/>
               </a:solidFill>
@@ -2270,7 +2075,7 @@
                 <a:spcPct val="100000"/>
               </a:lnSpc>
             </a:pPr>
-            <a:endParaRPr b="0" lang="en-IN" sz="5700" spc="-1" strike="noStrike">
+            <a:endParaRPr b="0" lang="en-IN" sz="1800" spc="-1" strike="noStrike">
               <a:solidFill>
                 <a:srgbClr val="000000"/>
               </a:solidFill>
@@ -2288,30 +2093,30 @@
                 <a:spcPct val="100000"/>
               </a:lnSpc>
             </a:pPr>
-            <a:endParaRPr b="0" lang="en-IN" sz="5700" spc="-1" strike="noStrike">
-              <a:solidFill>
-                <a:srgbClr val="000000"/>
-              </a:solidFill>
-              <a:uFill>
-                <a:solidFill>
-                  <a:srgbClr val="ffffff"/>
-                </a:solidFill>
-              </a:uFill>
-              <a:latin typeface="Arial"/>
-            </a:endParaRPr>
-          </a:p>
-        </p:txBody>
-      </p:sp>
-      <p:sp>
-        <p:nvSpPr>
-          <p:cNvPr id="42" name="CustomShape 4"/>
+            <a:endParaRPr b="0" lang="en-IN" sz="1800" spc="-1" strike="noStrike">
+              <a:solidFill>
+                <a:srgbClr val="000000"/>
+              </a:solidFill>
+              <a:uFill>
+                <a:solidFill>
+                  <a:srgbClr val="ffffff"/>
+                </a:solidFill>
+              </a:uFill>
+              <a:latin typeface="Arial"/>
+            </a:endParaRPr>
+          </a:p>
+        </p:txBody>
+      </p:sp>
+      <p:sp>
+        <p:nvSpPr>
+          <p:cNvPr id="40" name="CustomShape 4"/>
           <p:cNvSpPr/>
           <p:nvPr/>
         </p:nvSpPr>
         <p:spPr>
           <a:xfrm>
             <a:off x="792000" y="3600000"/>
-            <a:ext cx="11448720" cy="6192000"/>
+            <a:ext cx="11448360" cy="6191640"/>
           </a:xfrm>
           <a:prstGeom prst="rect">
             <a:avLst/>
@@ -2342,14 +2147,14 @@
       </p:sp>
       <p:sp>
         <p:nvSpPr>
-          <p:cNvPr id="43" name="CustomShape 5"/>
+          <p:cNvPr id="41" name="CustomShape 5"/>
           <p:cNvSpPr/>
           <p:nvPr/>
         </p:nvSpPr>
         <p:spPr>
           <a:xfrm>
             <a:off x="28366560" y="4961160"/>
-            <a:ext cx="13140000" cy="6048000"/>
+            <a:ext cx="13139640" cy="6047640"/>
           </a:xfrm>
           <a:prstGeom prst="rect">
             <a:avLst/>
@@ -2380,14 +2185,14 @@
       </p:sp>
       <p:sp>
         <p:nvSpPr>
-          <p:cNvPr id="44" name="CustomShape 6"/>
+          <p:cNvPr id="42" name="CustomShape 6"/>
           <p:cNvSpPr/>
           <p:nvPr/>
         </p:nvSpPr>
         <p:spPr>
           <a:xfrm>
             <a:off x="28368000" y="12240000"/>
-            <a:ext cx="13104000" cy="11736000"/>
+            <a:ext cx="13103640" cy="11735640"/>
           </a:xfrm>
           <a:prstGeom prst="rect">
             <a:avLst/>
@@ -2418,14 +2223,14 @@
       </p:sp>
       <p:sp>
         <p:nvSpPr>
-          <p:cNvPr id="45" name="CustomShape 7"/>
+          <p:cNvPr id="43" name="CustomShape 7"/>
           <p:cNvSpPr/>
           <p:nvPr/>
         </p:nvSpPr>
         <p:spPr>
           <a:xfrm>
             <a:off x="1081800" y="3672000"/>
-            <a:ext cx="10006200" cy="1368000"/>
+            <a:ext cx="10005840" cy="1367640"/>
           </a:xfrm>
           <a:prstGeom prst="rect">
             <a:avLst/>
@@ -2464,7 +2269,7 @@
               </a:rPr>
               <a:t>AIM</a:t>
             </a:r>
-            <a:endParaRPr b="0" lang="en-IN" sz="5700" spc="-1" strike="noStrike">
+            <a:endParaRPr b="0" lang="en-IN" sz="1800" spc="-1" strike="noStrike">
               <a:solidFill>
                 <a:srgbClr val="000000"/>
               </a:solidFill>
@@ -2482,7 +2287,7 @@
                 <a:spcPct val="100000"/>
               </a:lnSpc>
             </a:pPr>
-            <a:endParaRPr b="0" lang="en-IN" sz="5700" spc="-1" strike="noStrike">
+            <a:endParaRPr b="0" lang="en-IN" sz="1800" spc="-1" strike="noStrike">
               <a:solidFill>
                 <a:srgbClr val="000000"/>
               </a:solidFill>
@@ -2500,7 +2305,7 @@
                 <a:spcPct val="100000"/>
               </a:lnSpc>
             </a:pPr>
-            <a:endParaRPr b="0" lang="en-IN" sz="5700" spc="-1" strike="noStrike">
+            <a:endParaRPr b="0" lang="en-IN" sz="1800" spc="-1" strike="noStrike">
               <a:solidFill>
                 <a:srgbClr val="000000"/>
               </a:solidFill>
@@ -2518,30 +2323,30 @@
                 <a:spcPct val="100000"/>
               </a:lnSpc>
             </a:pPr>
-            <a:endParaRPr b="0" lang="en-IN" sz="5700" spc="-1" strike="noStrike">
-              <a:solidFill>
-                <a:srgbClr val="000000"/>
-              </a:solidFill>
-              <a:uFill>
-                <a:solidFill>
-                  <a:srgbClr val="ffffff"/>
-                </a:solidFill>
-              </a:uFill>
-              <a:latin typeface="Arial"/>
-            </a:endParaRPr>
-          </a:p>
-        </p:txBody>
-      </p:sp>
-      <p:sp>
-        <p:nvSpPr>
-          <p:cNvPr id="46" name="CustomShape 8"/>
+            <a:endParaRPr b="0" lang="en-IN" sz="1800" spc="-1" strike="noStrike">
+              <a:solidFill>
+                <a:srgbClr val="000000"/>
+              </a:solidFill>
+              <a:uFill>
+                <a:solidFill>
+                  <a:srgbClr val="ffffff"/>
+                </a:solidFill>
+              </a:uFill>
+              <a:latin typeface="Arial"/>
+            </a:endParaRPr>
+          </a:p>
+        </p:txBody>
+      </p:sp>
+      <p:sp>
+        <p:nvSpPr>
+          <p:cNvPr id="44" name="CustomShape 8"/>
           <p:cNvSpPr/>
           <p:nvPr/>
         </p:nvSpPr>
         <p:spPr>
           <a:xfrm>
             <a:off x="28656000" y="5400000"/>
-            <a:ext cx="12312000" cy="1224000"/>
+            <a:ext cx="12311640" cy="1223640"/>
           </a:xfrm>
           <a:prstGeom prst="rect">
             <a:avLst/>
@@ -2580,7 +2385,7 @@
               </a:rPr>
               <a:t>RESULTS</a:t>
             </a:r>
-            <a:endParaRPr b="0" lang="en-IN" sz="5700" spc="-1" strike="noStrike">
+            <a:endParaRPr b="0" lang="en-IN" sz="1800" spc="-1" strike="noStrike">
               <a:solidFill>
                 <a:srgbClr val="000000"/>
               </a:solidFill>
@@ -2598,7 +2403,7 @@
                 <a:spcPct val="100000"/>
               </a:lnSpc>
             </a:pPr>
-            <a:endParaRPr b="0" lang="en-IN" sz="5700" spc="-1" strike="noStrike">
+            <a:endParaRPr b="0" lang="en-IN" sz="1800" spc="-1" strike="noStrike">
               <a:solidFill>
                 <a:srgbClr val="000000"/>
               </a:solidFill>
@@ -2631,30 +2436,30 @@
               </a:rPr>
               <a:t> </a:t>
             </a:r>
-            <a:endParaRPr b="0" lang="en-IN" sz="4800" spc="-1" strike="noStrike">
-              <a:solidFill>
-                <a:srgbClr val="000000"/>
-              </a:solidFill>
-              <a:uFill>
-                <a:solidFill>
-                  <a:srgbClr val="ffffff"/>
-                </a:solidFill>
-              </a:uFill>
-              <a:latin typeface="Arial"/>
-            </a:endParaRPr>
-          </a:p>
-        </p:txBody>
-      </p:sp>
-      <p:sp>
-        <p:nvSpPr>
-          <p:cNvPr id="47" name="CustomShape 9"/>
+            <a:endParaRPr b="0" lang="en-IN" sz="1800" spc="-1" strike="noStrike">
+              <a:solidFill>
+                <a:srgbClr val="000000"/>
+              </a:solidFill>
+              <a:uFill>
+                <a:solidFill>
+                  <a:srgbClr val="ffffff"/>
+                </a:solidFill>
+              </a:uFill>
+              <a:latin typeface="Arial"/>
+            </a:endParaRPr>
+          </a:p>
+        </p:txBody>
+      </p:sp>
+      <p:sp>
+        <p:nvSpPr>
+          <p:cNvPr id="45" name="CustomShape 9"/>
           <p:cNvSpPr/>
           <p:nvPr/>
         </p:nvSpPr>
         <p:spPr>
           <a:xfrm>
             <a:off x="29526120" y="25560000"/>
-            <a:ext cx="11585880" cy="1783080"/>
+            <a:ext cx="11585520" cy="1782720"/>
           </a:xfrm>
           <a:prstGeom prst="rect">
             <a:avLst/>
@@ -2693,7 +2498,22 @@
               </a:rPr>
               <a:t>Interns: Utkarsh, Yahnit</a:t>
             </a:r>
-            <a:br/>
+            <a:r>
+              <a:rPr b="0" lang="en-IN" sz="1800" spc="-1" strike="noStrike">
+                <a:solidFill>
+                  <a:srgbClr val="000000"/>
+                </a:solidFill>
+                <a:uFill>
+                  <a:solidFill>
+                    <a:srgbClr val="ffffff"/>
+                  </a:solidFill>
+                </a:uFill>
+                <a:latin typeface="Arial"/>
+                <a:ea typeface="DejaVu Sans"/>
+              </a:rPr>
+              <a:t>
+</a:t>
+            </a:r>
             <a:r>
               <a:rPr b="0" lang="en-IN" sz="3500" spc="-1" strike="noStrike">
                 <a:solidFill>
@@ -2709,7 +2529,7 @@
               </a:rPr>
               <a:t>Mentor: Madhavi</a:t>
             </a:r>
-            <a:endParaRPr b="0" lang="en-IN" sz="3500" spc="-1" strike="noStrike">
+            <a:endParaRPr b="0" lang="en-IN" sz="1800" spc="-1" strike="noStrike">
               <a:solidFill>
                 <a:srgbClr val="000000"/>
               </a:solidFill>
@@ -2727,7 +2547,7 @@
                 <a:spcPct val="100000"/>
               </a:lnSpc>
             </a:pPr>
-            <a:endParaRPr b="0" lang="en-IN" sz="3500" spc="-1" strike="noStrike">
+            <a:endParaRPr b="0" lang="en-IN" sz="1800" spc="-1" strike="noStrike">
               <a:solidFill>
                 <a:srgbClr val="000000"/>
               </a:solidFill>
@@ -2745,7 +2565,7 @@
                 <a:spcPct val="100000"/>
               </a:lnSpc>
             </a:pPr>
-            <a:endParaRPr b="0" lang="en-IN" sz="3500" spc="-1" strike="noStrike">
+            <a:endParaRPr b="0" lang="en-IN" sz="1800" spc="-1" strike="noStrike">
               <a:solidFill>
                 <a:srgbClr val="000000"/>
               </a:solidFill>
@@ -2761,7 +2581,7 @@
       </p:sp>
       <p:pic>
         <p:nvPicPr>
-          <p:cNvPr id="48" name="Picture 26" descr=""/>
+          <p:cNvPr id="46" name="Picture 26" descr=""/>
           <p:cNvPicPr/>
           <p:nvPr/>
         </p:nvPicPr>
@@ -2772,7 +2592,7 @@
         <p:spPr>
           <a:xfrm>
             <a:off x="24750360" y="24741000"/>
-            <a:ext cx="4421520" cy="2954520"/>
+            <a:ext cx="4421160" cy="2954160"/>
           </a:xfrm>
           <a:prstGeom prst="rect">
             <a:avLst/>
@@ -2784,14 +2604,14 @@
       </p:pic>
       <p:sp>
         <p:nvSpPr>
-          <p:cNvPr id="49" name="CustomShape 10"/>
+          <p:cNvPr id="47" name="CustomShape 10"/>
           <p:cNvSpPr/>
           <p:nvPr/>
         </p:nvSpPr>
         <p:spPr>
           <a:xfrm>
             <a:off x="1081800" y="4824000"/>
-            <a:ext cx="10800000" cy="5040000"/>
+            <a:ext cx="10799640" cy="5039640"/>
           </a:xfrm>
           <a:prstGeom prst="rect">
             <a:avLst/>
@@ -2828,122 +2648,32 @@
                 <a:latin typeface="Calibri"/>
                 <a:ea typeface="Verdana"/>
               </a:rPr>
-              <a:t>The project’s aim is to design a user-friendly </a:t>
+              <a:t>The project’s aim is to design a user-friendly dashboard for LDS (Lab Data Service). Our motivation is to minimise the user’s efforts in accessing and manipulating data of all the virtual labs. We are developing it as an SPA (Single Page Application) using plain JavaScript without any frameworks.</a:t>
             </a:r>
-            <a:r>
-              <a:rPr b="0" lang="en-IN" sz="4400" spc="-1" strike="noStrike">
-                <a:solidFill>
-                  <a:srgbClr val="000000"/>
-                </a:solidFill>
-                <a:uFill>
-                  <a:solidFill>
-                    <a:srgbClr val="ffffff"/>
-                  </a:solidFill>
-                </a:uFill>
-                <a:latin typeface="Calibri"/>
-                <a:ea typeface="Verdana"/>
-              </a:rPr>
-              <a:t>dashboard for LDS (Lab Data Service). Our </a:t>
-            </a:r>
-            <a:r>
-              <a:rPr b="0" lang="en-IN" sz="4400" spc="-1" strike="noStrike">
-                <a:solidFill>
-                  <a:srgbClr val="000000"/>
-                </a:solidFill>
-                <a:uFill>
-                  <a:solidFill>
-                    <a:srgbClr val="ffffff"/>
-                  </a:solidFill>
-                </a:uFill>
-                <a:latin typeface="Calibri"/>
-                <a:ea typeface="Verdana"/>
-              </a:rPr>
-              <a:t>motivation is to minimise the user’s efforts in </a:t>
-            </a:r>
-            <a:r>
-              <a:rPr b="0" lang="en-IN" sz="4400" spc="-1" strike="noStrike">
-                <a:solidFill>
-                  <a:srgbClr val="000000"/>
-                </a:solidFill>
-                <a:uFill>
-                  <a:solidFill>
-                    <a:srgbClr val="ffffff"/>
-                  </a:solidFill>
-                </a:uFill>
-                <a:latin typeface="Calibri"/>
-                <a:ea typeface="Verdana"/>
-              </a:rPr>
-              <a:t>accessing and manipulating data of all the virtual </a:t>
-            </a:r>
-            <a:r>
-              <a:rPr b="0" lang="en-IN" sz="4400" spc="-1" strike="noStrike">
-                <a:solidFill>
-                  <a:srgbClr val="000000"/>
-                </a:solidFill>
-                <a:uFill>
-                  <a:solidFill>
-                    <a:srgbClr val="ffffff"/>
-                  </a:solidFill>
-                </a:uFill>
-                <a:latin typeface="Calibri"/>
-                <a:ea typeface="Verdana"/>
-              </a:rPr>
-              <a:t>labs. We are developing it as an SPA (Single Page </a:t>
-            </a:r>
-            <a:r>
-              <a:rPr b="0" lang="en-IN" sz="4400" spc="-1" strike="noStrike">
-                <a:solidFill>
-                  <a:srgbClr val="000000"/>
-                </a:solidFill>
-                <a:uFill>
-                  <a:solidFill>
-                    <a:srgbClr val="ffffff"/>
-                  </a:solidFill>
-                </a:uFill>
-                <a:latin typeface="Calibri"/>
-                <a:ea typeface="Verdana"/>
-              </a:rPr>
-              <a:t>Application) using plain JavaScript without any </a:t>
-            </a:r>
-            <a:r>
-              <a:rPr b="0" lang="en-IN" sz="4400" spc="-1" strike="noStrike">
-                <a:solidFill>
-                  <a:srgbClr val="000000"/>
-                </a:solidFill>
-                <a:uFill>
-                  <a:solidFill>
-                    <a:srgbClr val="ffffff"/>
-                  </a:solidFill>
-                </a:uFill>
-                <a:latin typeface="Calibri"/>
-                <a:ea typeface="Verdana"/>
-              </a:rPr>
-              <a:t>frameworks.</a:t>
-            </a:r>
-            <a:endParaRPr b="0" lang="en-IN" sz="4400" spc="-1" strike="noStrike">
-              <a:solidFill>
-                <a:srgbClr val="000000"/>
-              </a:solidFill>
-              <a:uFill>
-                <a:solidFill>
-                  <a:srgbClr val="ffffff"/>
-                </a:solidFill>
-              </a:uFill>
-              <a:latin typeface="Arial"/>
-            </a:endParaRPr>
-          </a:p>
-        </p:txBody>
-      </p:sp>
-      <p:sp>
-        <p:nvSpPr>
-          <p:cNvPr id="50" name="CustomShape 11"/>
+            <a:endParaRPr b="0" lang="en-IN" sz="1800" spc="-1" strike="noStrike">
+              <a:solidFill>
+                <a:srgbClr val="000000"/>
+              </a:solidFill>
+              <a:uFill>
+                <a:solidFill>
+                  <a:srgbClr val="ffffff"/>
+                </a:solidFill>
+              </a:uFill>
+              <a:latin typeface="Arial"/>
+            </a:endParaRPr>
+          </a:p>
+        </p:txBody>
+      </p:sp>
+      <p:sp>
+        <p:nvSpPr>
+          <p:cNvPr id="48" name="CustomShape 11"/>
           <p:cNvSpPr/>
           <p:nvPr/>
         </p:nvSpPr>
         <p:spPr>
           <a:xfrm>
             <a:off x="28632600" y="6768000"/>
-            <a:ext cx="11363400" cy="3168000"/>
+            <a:ext cx="11363040" cy="3167640"/>
           </a:xfrm>
           <a:prstGeom prst="rect">
             <a:avLst/>
@@ -2962,7 +2692,7 @@
         <p:txBody>
           <a:bodyPr lIns="90000" rIns="90000" tIns="45000" bIns="45000"/>
           <a:p>
-            <a:pPr marL="216000" indent="-216000">
+            <a:pPr marL="216000" indent="-215640">
               <a:lnSpc>
                 <a:spcPct val="100000"/>
               </a:lnSpc>
@@ -2970,7 +2700,7 @@
                 <a:srgbClr val="000000"/>
               </a:buClr>
               <a:buSzPct val="45000"/>
-              <a:buFont typeface="Symbol" charset="2"/>
+              <a:buFont typeface="Symbol"/>
               <a:buChar char=""/>
             </a:pPr>
             <a:r>
@@ -2988,20 +2718,20 @@
               </a:rPr>
               <a:t>We could develop an SPA for the dashboard using plain JavaScript.</a:t>
             </a:r>
-            <a:endParaRPr b="0" lang="en-IN" sz="4400" spc="-1" strike="noStrike">
-              <a:solidFill>
-                <a:srgbClr val="000000"/>
-              </a:solidFill>
-              <a:uFill>
-                <a:solidFill>
-                  <a:srgbClr val="ffffff"/>
-                </a:solidFill>
-              </a:uFill>
-              <a:latin typeface="Arial"/>
-            </a:endParaRPr>
-          </a:p>
-          <a:p>
-            <a:pPr marL="216000" indent="-216000">
+            <a:endParaRPr b="0" lang="en-IN" sz="1800" spc="-1" strike="noStrike">
+              <a:solidFill>
+                <a:srgbClr val="000000"/>
+              </a:solidFill>
+              <a:uFill>
+                <a:solidFill>
+                  <a:srgbClr val="ffffff"/>
+                </a:solidFill>
+              </a:uFill>
+              <a:latin typeface="Arial"/>
+            </a:endParaRPr>
+          </a:p>
+          <a:p>
+            <a:pPr marL="216000" indent="-215640">
               <a:lnSpc>
                 <a:spcPct val="100000"/>
               </a:lnSpc>
@@ -3009,7 +2739,7 @@
                 <a:srgbClr val="000000"/>
               </a:buClr>
               <a:buSzPct val="45000"/>
-              <a:buFont typeface="Symbol" charset="2"/>
+              <a:buFont typeface="Symbol"/>
               <a:buChar char=""/>
             </a:pPr>
             <a:r>
@@ -3027,30 +2757,30 @@
               </a:rPr>
               <a:t>We were able to decode JSON specification efficiently allowing us to render the view based on role.</a:t>
             </a:r>
-            <a:endParaRPr b="0" lang="en-IN" sz="4400" spc="-1" strike="noStrike">
-              <a:solidFill>
-                <a:srgbClr val="000000"/>
-              </a:solidFill>
-              <a:uFill>
-                <a:solidFill>
-                  <a:srgbClr val="ffffff"/>
-                </a:solidFill>
-              </a:uFill>
-              <a:latin typeface="Arial"/>
-            </a:endParaRPr>
-          </a:p>
-        </p:txBody>
-      </p:sp>
-      <p:sp>
-        <p:nvSpPr>
-          <p:cNvPr id="51" name="CustomShape 12"/>
+            <a:endParaRPr b="0" lang="en-IN" sz="1800" spc="-1" strike="noStrike">
+              <a:solidFill>
+                <a:srgbClr val="000000"/>
+              </a:solidFill>
+              <a:uFill>
+                <a:solidFill>
+                  <a:srgbClr val="ffffff"/>
+                </a:solidFill>
+              </a:uFill>
+              <a:latin typeface="Arial"/>
+            </a:endParaRPr>
+          </a:p>
+        </p:txBody>
+      </p:sp>
+      <p:sp>
+        <p:nvSpPr>
+          <p:cNvPr id="49" name="CustomShape 12"/>
           <p:cNvSpPr/>
           <p:nvPr/>
         </p:nvSpPr>
         <p:spPr>
           <a:xfrm>
             <a:off x="13176000" y="4320000"/>
-            <a:ext cx="14256000" cy="14040000"/>
+            <a:ext cx="14255640" cy="14039640"/>
           </a:xfrm>
           <a:prstGeom prst="rect">
             <a:avLst/>
@@ -3081,14 +2811,14 @@
       </p:sp>
       <p:sp>
         <p:nvSpPr>
-          <p:cNvPr id="52" name="CustomShape 13"/>
+          <p:cNvPr id="50" name="CustomShape 13"/>
           <p:cNvSpPr/>
           <p:nvPr/>
         </p:nvSpPr>
         <p:spPr>
           <a:xfrm>
             <a:off x="13537800" y="4608000"/>
-            <a:ext cx="10006200" cy="1080000"/>
+            <a:ext cx="10005840" cy="1079640"/>
           </a:xfrm>
           <a:prstGeom prst="rect">
             <a:avLst/>
@@ -3127,7 +2857,7 @@
               </a:rPr>
               <a:t>APPROACH</a:t>
             </a:r>
-            <a:endParaRPr b="0" lang="en-IN" sz="5700" spc="-1" strike="noStrike">
+            <a:endParaRPr b="0" lang="en-IN" sz="1800" spc="-1" strike="noStrike">
               <a:solidFill>
                 <a:srgbClr val="000000"/>
               </a:solidFill>
@@ -3145,7 +2875,7 @@
                 <a:spcPct val="100000"/>
               </a:lnSpc>
             </a:pPr>
-            <a:endParaRPr b="0" lang="en-IN" sz="5700" spc="-1" strike="noStrike">
+            <a:endParaRPr b="0" lang="en-IN" sz="1800" spc="-1" strike="noStrike">
               <a:solidFill>
                 <a:srgbClr val="000000"/>
               </a:solidFill>
@@ -3163,7 +2893,7 @@
                 <a:spcPct val="100000"/>
               </a:lnSpc>
             </a:pPr>
-            <a:endParaRPr b="0" lang="en-IN" sz="5700" spc="-1" strike="noStrike">
+            <a:endParaRPr b="0" lang="en-IN" sz="1800" spc="-1" strike="noStrike">
               <a:solidFill>
                 <a:srgbClr val="000000"/>
               </a:solidFill>
@@ -3181,30 +2911,30 @@
                 <a:spcPct val="100000"/>
               </a:lnSpc>
             </a:pPr>
-            <a:endParaRPr b="0" lang="en-IN" sz="5700" spc="-1" strike="noStrike">
-              <a:solidFill>
-                <a:srgbClr val="000000"/>
-              </a:solidFill>
-              <a:uFill>
-                <a:solidFill>
-                  <a:srgbClr val="ffffff"/>
-                </a:solidFill>
-              </a:uFill>
-              <a:latin typeface="Arial"/>
-            </a:endParaRPr>
-          </a:p>
-        </p:txBody>
-      </p:sp>
-      <p:sp>
-        <p:nvSpPr>
-          <p:cNvPr id="53" name="CustomShape 14"/>
+            <a:endParaRPr b="0" lang="en-IN" sz="1800" spc="-1" strike="noStrike">
+              <a:solidFill>
+                <a:srgbClr val="000000"/>
+              </a:solidFill>
+              <a:uFill>
+                <a:solidFill>
+                  <a:srgbClr val="ffffff"/>
+                </a:solidFill>
+              </a:uFill>
+              <a:latin typeface="Arial"/>
+            </a:endParaRPr>
+          </a:p>
+        </p:txBody>
+      </p:sp>
+      <p:sp>
+        <p:nvSpPr>
+          <p:cNvPr id="51" name="CustomShape 14"/>
           <p:cNvSpPr/>
           <p:nvPr/>
         </p:nvSpPr>
         <p:spPr>
           <a:xfrm>
             <a:off x="13320000" y="5832000"/>
-            <a:ext cx="14112000" cy="12528000"/>
+            <a:ext cx="14111640" cy="12527640"/>
           </a:xfrm>
           <a:prstGeom prst="rect">
             <a:avLst/>
@@ -3223,7 +2953,7 @@
         <p:txBody>
           <a:bodyPr lIns="90000" rIns="90000" tIns="45000" bIns="45000"/>
           <a:p>
-            <a:pPr marL="216000" indent="-216000">
+            <a:pPr marL="216000" indent="-215640">
               <a:lnSpc>
                 <a:spcPct val="100000"/>
               </a:lnSpc>
@@ -3231,7 +2961,7 @@
                 <a:srgbClr val="000000"/>
               </a:buClr>
               <a:buSzPct val="45000"/>
-              <a:buFont typeface="Symbol" charset="2"/>
+              <a:buFont typeface="Symbol"/>
               <a:buChar char=""/>
             </a:pPr>
             <a:r>
@@ -3264,20 +2994,20 @@
               </a:rPr>
               <a:t>For logging in to the dashboard, google credentials of the user are needed since authentication is done using Google OAuth service.</a:t>
             </a:r>
-            <a:endParaRPr b="0" lang="en-IN" sz="4400" spc="-1" strike="noStrike">
-              <a:solidFill>
-                <a:srgbClr val="000000"/>
-              </a:solidFill>
-              <a:uFill>
-                <a:solidFill>
-                  <a:srgbClr val="ffffff"/>
-                </a:solidFill>
-              </a:uFill>
-              <a:latin typeface="Arial"/>
-            </a:endParaRPr>
-          </a:p>
-          <a:p>
-            <a:pPr marL="216000" indent="-216000">
+            <a:endParaRPr b="0" lang="en-IN" sz="1800" spc="-1" strike="noStrike">
+              <a:solidFill>
+                <a:srgbClr val="000000"/>
+              </a:solidFill>
+              <a:uFill>
+                <a:solidFill>
+                  <a:srgbClr val="ffffff"/>
+                </a:solidFill>
+              </a:uFill>
+              <a:latin typeface="Arial"/>
+            </a:endParaRPr>
+          </a:p>
+          <a:p>
+            <a:pPr marL="216000" indent="-215640">
               <a:lnSpc>
                 <a:spcPct val="100000"/>
               </a:lnSpc>
@@ -3285,7 +3015,7 @@
                 <a:srgbClr val="000000"/>
               </a:buClr>
               <a:buSzPct val="45000"/>
-              <a:buFont typeface="Symbol" charset="2"/>
+              <a:buFont typeface="Symbol"/>
               <a:buChar char=""/>
             </a:pPr>
             <a:r>
@@ -3303,20 +3033,20 @@
               </a:rPr>
               <a:t>Role and Session management has been implemented using Python Flask-Login.</a:t>
             </a:r>
-            <a:endParaRPr b="0" lang="en-IN" sz="4400" spc="-1" strike="noStrike">
-              <a:solidFill>
-                <a:srgbClr val="000000"/>
-              </a:solidFill>
-              <a:uFill>
-                <a:solidFill>
-                  <a:srgbClr val="ffffff"/>
-                </a:solidFill>
-              </a:uFill>
-              <a:latin typeface="Arial"/>
-            </a:endParaRPr>
-          </a:p>
-          <a:p>
-            <a:pPr marL="216000" indent="-216000">
+            <a:endParaRPr b="0" lang="en-IN" sz="1800" spc="-1" strike="noStrike">
+              <a:solidFill>
+                <a:srgbClr val="000000"/>
+              </a:solidFill>
+              <a:uFill>
+                <a:solidFill>
+                  <a:srgbClr val="ffffff"/>
+                </a:solidFill>
+              </a:uFill>
+              <a:latin typeface="Arial"/>
+            </a:endParaRPr>
+          </a:p>
+          <a:p>
+            <a:pPr marL="216000" indent="-215640">
               <a:lnSpc>
                 <a:spcPct val="100000"/>
               </a:lnSpc>
@@ -3324,7 +3054,7 @@
                 <a:srgbClr val="000000"/>
               </a:buClr>
               <a:buSzPct val="45000"/>
-              <a:buFont typeface="Symbol" charset="2"/>
+              <a:buFont typeface="Symbol"/>
               <a:buChar char=""/>
             </a:pPr>
             <a:r>
@@ -3342,20 +3072,20 @@
               </a:rPr>
               <a:t>Authorization is managed using function decorators present in Python.</a:t>
             </a:r>
-            <a:endParaRPr b="0" lang="en-IN" sz="4400" spc="-1" strike="noStrike">
-              <a:solidFill>
-                <a:srgbClr val="000000"/>
-              </a:solidFill>
-              <a:uFill>
-                <a:solidFill>
-                  <a:srgbClr val="ffffff"/>
-                </a:solidFill>
-              </a:uFill>
-              <a:latin typeface="Arial"/>
-            </a:endParaRPr>
-          </a:p>
-          <a:p>
-            <a:pPr marL="216000" indent="-216000">
+            <a:endParaRPr b="0" lang="en-IN" sz="1800" spc="-1" strike="noStrike">
+              <a:solidFill>
+                <a:srgbClr val="000000"/>
+              </a:solidFill>
+              <a:uFill>
+                <a:solidFill>
+                  <a:srgbClr val="ffffff"/>
+                </a:solidFill>
+              </a:uFill>
+              <a:latin typeface="Arial"/>
+            </a:endParaRPr>
+          </a:p>
+          <a:p>
+            <a:pPr marL="216000" indent="-215640">
               <a:lnSpc>
                 <a:spcPct val="100000"/>
               </a:lnSpc>
@@ -3363,7 +3093,7 @@
                 <a:srgbClr val="000000"/>
               </a:buClr>
               <a:buSzPct val="45000"/>
-              <a:buFont typeface="Symbol" charset="2"/>
+              <a:buFont typeface="Symbol"/>
               <a:buChar char=""/>
             </a:pPr>
             <a:r>
@@ -3381,20 +3111,20 @@
               </a:rPr>
               <a:t>JSON specification has been dealt for rendering the view rather than template rendering.</a:t>
             </a:r>
-            <a:endParaRPr b="0" lang="en-IN" sz="4400" spc="-1" strike="noStrike">
-              <a:solidFill>
-                <a:srgbClr val="000000"/>
-              </a:solidFill>
-              <a:uFill>
-                <a:solidFill>
-                  <a:srgbClr val="ffffff"/>
-                </a:solidFill>
-              </a:uFill>
-              <a:latin typeface="Arial"/>
-            </a:endParaRPr>
-          </a:p>
-          <a:p>
-            <a:pPr marL="216000" indent="-216000">
+            <a:endParaRPr b="0" lang="en-IN" sz="1800" spc="-1" strike="noStrike">
+              <a:solidFill>
+                <a:srgbClr val="000000"/>
+              </a:solidFill>
+              <a:uFill>
+                <a:solidFill>
+                  <a:srgbClr val="ffffff"/>
+                </a:solidFill>
+              </a:uFill>
+              <a:latin typeface="Arial"/>
+            </a:endParaRPr>
+          </a:p>
+          <a:p>
+            <a:pPr marL="216000" indent="-215640">
               <a:lnSpc>
                 <a:spcPct val="100000"/>
               </a:lnSpc>
@@ -3402,7 +3132,7 @@
                 <a:srgbClr val="000000"/>
               </a:buClr>
               <a:buSzPct val="45000"/>
-              <a:buFont typeface="Symbol" charset="2"/>
+              <a:buFont typeface="Symbol"/>
               <a:buChar char=""/>
             </a:pPr>
             <a:r>
@@ -3420,20 +3150,20 @@
               </a:rPr>
               <a:t>Hash route in the URL decides which section of the view to be displayed on the browser screen at that moment.</a:t>
             </a:r>
-            <a:endParaRPr b="0" lang="en-IN" sz="4400" spc="-1" strike="noStrike">
-              <a:solidFill>
-                <a:srgbClr val="000000"/>
-              </a:solidFill>
-              <a:uFill>
-                <a:solidFill>
-                  <a:srgbClr val="ffffff"/>
-                </a:solidFill>
-              </a:uFill>
-              <a:latin typeface="Arial"/>
-            </a:endParaRPr>
-          </a:p>
-          <a:p>
-            <a:pPr marL="216000" indent="-216000">
+            <a:endParaRPr b="0" lang="en-IN" sz="1800" spc="-1" strike="noStrike">
+              <a:solidFill>
+                <a:srgbClr val="000000"/>
+              </a:solidFill>
+              <a:uFill>
+                <a:solidFill>
+                  <a:srgbClr val="ffffff"/>
+                </a:solidFill>
+              </a:uFill>
+              <a:latin typeface="Arial"/>
+            </a:endParaRPr>
+          </a:p>
+          <a:p>
+            <a:pPr marL="216000" indent="-215640">
               <a:lnSpc>
                 <a:spcPct val="100000"/>
               </a:lnSpc>
@@ -3441,7 +3171,7 @@
                 <a:srgbClr val="000000"/>
               </a:buClr>
               <a:buSzPct val="45000"/>
-              <a:buFont typeface="Symbol" charset="2"/>
+              <a:buFont typeface="Symbol"/>
               <a:buChar char=""/>
             </a:pPr>
             <a:r>
@@ -3459,20 +3189,20 @@
               </a:rPr>
               <a:t>In the future with the addition of new roles with new access rights, automation of the JSON spec generation can be done.</a:t>
             </a:r>
-            <a:endParaRPr b="0" lang="en-IN" sz="4400" spc="-1" strike="noStrike">
-              <a:solidFill>
-                <a:srgbClr val="000000"/>
-              </a:solidFill>
-              <a:uFill>
-                <a:solidFill>
-                  <a:srgbClr val="ffffff"/>
-                </a:solidFill>
-              </a:uFill>
-              <a:latin typeface="Arial"/>
-            </a:endParaRPr>
-          </a:p>
-          <a:p>
-            <a:pPr marL="216000" indent="-216000">
+            <a:endParaRPr b="0" lang="en-IN" sz="1800" spc="-1" strike="noStrike">
+              <a:solidFill>
+                <a:srgbClr val="000000"/>
+              </a:solidFill>
+              <a:uFill>
+                <a:solidFill>
+                  <a:srgbClr val="ffffff"/>
+                </a:solidFill>
+              </a:uFill>
+              <a:latin typeface="Arial"/>
+            </a:endParaRPr>
+          </a:p>
+          <a:p>
+            <a:pPr marL="216000" indent="-215640">
               <a:lnSpc>
                 <a:spcPct val="100000"/>
               </a:lnSpc>
@@ -3480,7 +3210,7 @@
                 <a:srgbClr val="000000"/>
               </a:buClr>
               <a:buSzPct val="45000"/>
-              <a:buFont typeface="Symbol" charset="2"/>
+              <a:buFont typeface="Symbol"/>
               <a:buChar char=""/>
             </a:pPr>
             <a:r>
@@ -3498,20 +3228,20 @@
               </a:rPr>
               <a:t>Interaction between front-end and back-end uses AJAX.</a:t>
             </a:r>
-            <a:endParaRPr b="0" lang="en-IN" sz="4400" spc="-1" strike="noStrike">
-              <a:solidFill>
-                <a:srgbClr val="000000"/>
-              </a:solidFill>
-              <a:uFill>
-                <a:solidFill>
-                  <a:srgbClr val="ffffff"/>
-                </a:solidFill>
-              </a:uFill>
-              <a:latin typeface="Arial"/>
-            </a:endParaRPr>
-          </a:p>
-          <a:p>
-            <a:pPr marL="216000" indent="-216000">
+            <a:endParaRPr b="0" lang="en-IN" sz="1800" spc="-1" strike="noStrike">
+              <a:solidFill>
+                <a:srgbClr val="000000"/>
+              </a:solidFill>
+              <a:uFill>
+                <a:solidFill>
+                  <a:srgbClr val="ffffff"/>
+                </a:solidFill>
+              </a:uFill>
+              <a:latin typeface="Arial"/>
+            </a:endParaRPr>
+          </a:p>
+          <a:p>
+            <a:pPr marL="216000" indent="-215640">
               <a:lnSpc>
                 <a:spcPct val="100000"/>
               </a:lnSpc>
@@ -3519,7 +3249,7 @@
                 <a:srgbClr val="000000"/>
               </a:buClr>
               <a:buSzPct val="45000"/>
-              <a:buFont typeface="Symbol" charset="2"/>
+              <a:buFont typeface="Symbol"/>
               <a:buChar char=""/>
             </a:pPr>
             <a:r>
@@ -3537,30 +3267,30 @@
               </a:rPr>
               <a:t>The user makes a request using data service dashboard and then our back-end interacts with the LDS microservice to perform the said operation.</a:t>
             </a:r>
-            <a:endParaRPr b="0" lang="en-IN" sz="4400" spc="-1" strike="noStrike">
-              <a:solidFill>
-                <a:srgbClr val="000000"/>
-              </a:solidFill>
-              <a:uFill>
-                <a:solidFill>
-                  <a:srgbClr val="ffffff"/>
-                </a:solidFill>
-              </a:uFill>
-              <a:latin typeface="Arial"/>
-            </a:endParaRPr>
-          </a:p>
-        </p:txBody>
-      </p:sp>
-      <p:sp>
-        <p:nvSpPr>
-          <p:cNvPr id="54" name="CustomShape 15"/>
+            <a:endParaRPr b="0" lang="en-IN" sz="1800" spc="-1" strike="noStrike">
+              <a:solidFill>
+                <a:srgbClr val="000000"/>
+              </a:solidFill>
+              <a:uFill>
+                <a:solidFill>
+                  <a:srgbClr val="ffffff"/>
+                </a:solidFill>
+              </a:uFill>
+              <a:latin typeface="Arial"/>
+            </a:endParaRPr>
+          </a:p>
+        </p:txBody>
+      </p:sp>
+      <p:sp>
+        <p:nvSpPr>
+          <p:cNvPr id="52" name="CustomShape 15"/>
           <p:cNvSpPr/>
           <p:nvPr/>
         </p:nvSpPr>
         <p:spPr>
           <a:xfrm>
             <a:off x="28657800" y="12960000"/>
-            <a:ext cx="10006200" cy="1080000"/>
+            <a:ext cx="10005840" cy="1079640"/>
           </a:xfrm>
           <a:prstGeom prst="rect">
             <a:avLst/>
@@ -3599,7 +3329,7 @@
               </a:rPr>
               <a:t>CONCLUSIONS</a:t>
             </a:r>
-            <a:endParaRPr b="0" lang="en-IN" sz="5700" spc="-1" strike="noStrike">
+            <a:endParaRPr b="0" lang="en-IN" sz="1800" spc="-1" strike="noStrike">
               <a:solidFill>
                 <a:srgbClr val="000000"/>
               </a:solidFill>
@@ -3617,7 +3347,7 @@
                 <a:spcPct val="100000"/>
               </a:lnSpc>
             </a:pPr>
-            <a:endParaRPr b="0" lang="en-IN" sz="5700" spc="-1" strike="noStrike">
+            <a:endParaRPr b="0" lang="en-IN" sz="1800" spc="-1" strike="noStrike">
               <a:solidFill>
                 <a:srgbClr val="000000"/>
               </a:solidFill>
@@ -3635,7 +3365,7 @@
                 <a:spcPct val="100000"/>
               </a:lnSpc>
             </a:pPr>
-            <a:endParaRPr b="0" lang="en-IN" sz="5700" spc="-1" strike="noStrike">
+            <a:endParaRPr b="0" lang="en-IN" sz="1800" spc="-1" strike="noStrike">
               <a:solidFill>
                 <a:srgbClr val="000000"/>
               </a:solidFill>
@@ -3653,30 +3383,30 @@
                 <a:spcPct val="100000"/>
               </a:lnSpc>
             </a:pPr>
-            <a:endParaRPr b="0" lang="en-IN" sz="5700" spc="-1" strike="noStrike">
-              <a:solidFill>
-                <a:srgbClr val="000000"/>
-              </a:solidFill>
-              <a:uFill>
-                <a:solidFill>
-                  <a:srgbClr val="ffffff"/>
-                </a:solidFill>
-              </a:uFill>
-              <a:latin typeface="Arial"/>
-            </a:endParaRPr>
-          </a:p>
-        </p:txBody>
-      </p:sp>
-      <p:sp>
-        <p:nvSpPr>
-          <p:cNvPr id="55" name="CustomShape 16"/>
+            <a:endParaRPr b="0" lang="en-IN" sz="1800" spc="-1" strike="noStrike">
+              <a:solidFill>
+                <a:srgbClr val="000000"/>
+              </a:solidFill>
+              <a:uFill>
+                <a:solidFill>
+                  <a:srgbClr val="ffffff"/>
+                </a:solidFill>
+              </a:uFill>
+              <a:latin typeface="Arial"/>
+            </a:endParaRPr>
+          </a:p>
+        </p:txBody>
+      </p:sp>
+      <p:sp>
+        <p:nvSpPr>
+          <p:cNvPr id="53" name="CustomShape 16"/>
           <p:cNvSpPr/>
           <p:nvPr/>
         </p:nvSpPr>
         <p:spPr>
           <a:xfrm>
             <a:off x="28757880" y="14256000"/>
-            <a:ext cx="12168000" cy="10014840"/>
+            <a:ext cx="12167640" cy="10014480"/>
           </a:xfrm>
           <a:prstGeom prst="rect">
             <a:avLst/>
@@ -3695,7 +3425,7 @@
         <p:txBody>
           <a:bodyPr lIns="90000" rIns="90000" tIns="45000" bIns="45000"/>
           <a:p>
-            <a:pPr marL="216000" indent="-216000">
+            <a:pPr marL="216000" indent="-215640">
               <a:lnSpc>
                 <a:spcPct val="100000"/>
               </a:lnSpc>
@@ -3721,20 +3451,20 @@
               </a:rPr>
               <a:t>We have developed data service dashboard using plain JavaScript without the help of any frameworks.</a:t>
             </a:r>
-            <a:endParaRPr b="0" lang="en-IN" sz="4600" spc="-1" strike="noStrike">
-              <a:solidFill>
-                <a:srgbClr val="000000"/>
-              </a:solidFill>
-              <a:uFill>
-                <a:solidFill>
-                  <a:srgbClr val="ffffff"/>
-                </a:solidFill>
-              </a:uFill>
-              <a:latin typeface="Arial"/>
-            </a:endParaRPr>
-          </a:p>
-          <a:p>
-            <a:pPr marL="216000" indent="-216000">
+            <a:endParaRPr b="0" lang="en-IN" sz="1800" spc="-1" strike="noStrike">
+              <a:solidFill>
+                <a:srgbClr val="000000"/>
+              </a:solidFill>
+              <a:uFill>
+                <a:solidFill>
+                  <a:srgbClr val="ffffff"/>
+                </a:solidFill>
+              </a:uFill>
+              <a:latin typeface="Arial"/>
+            </a:endParaRPr>
+          </a:p>
+          <a:p>
+            <a:pPr marL="216000" indent="-215640">
               <a:lnSpc>
                 <a:spcPct val="100000"/>
               </a:lnSpc>
@@ -3760,20 +3490,20 @@
               </a:rPr>
               <a:t>Absence of frameworks allows manipulation of code to incorporate any features within the limit of the language.</a:t>
             </a:r>
-            <a:endParaRPr b="0" lang="en-IN" sz="4600" spc="-1" strike="noStrike">
-              <a:solidFill>
-                <a:srgbClr val="000000"/>
-              </a:solidFill>
-              <a:uFill>
-                <a:solidFill>
-                  <a:srgbClr val="ffffff"/>
-                </a:solidFill>
-              </a:uFill>
-              <a:latin typeface="Arial"/>
-            </a:endParaRPr>
-          </a:p>
-          <a:p>
-            <a:pPr marL="216000" indent="-216000">
+            <a:endParaRPr b="0" lang="en-IN" sz="1800" spc="-1" strike="noStrike">
+              <a:solidFill>
+                <a:srgbClr val="000000"/>
+              </a:solidFill>
+              <a:uFill>
+                <a:solidFill>
+                  <a:srgbClr val="ffffff"/>
+                </a:solidFill>
+              </a:uFill>
+              <a:latin typeface="Arial"/>
+            </a:endParaRPr>
+          </a:p>
+          <a:p>
+            <a:pPr marL="216000" indent="-215640">
               <a:lnSpc>
                 <a:spcPct val="100000"/>
               </a:lnSpc>
@@ -3799,20 +3529,20 @@
               </a:rPr>
               <a:t>JSON has a great potential when it comes to automating procedures like generation of html code.</a:t>
             </a:r>
-            <a:endParaRPr b="0" lang="en-IN" sz="4600" spc="-1" strike="noStrike">
-              <a:solidFill>
-                <a:srgbClr val="000000"/>
-              </a:solidFill>
-              <a:uFill>
-                <a:solidFill>
-                  <a:srgbClr val="ffffff"/>
-                </a:solidFill>
-              </a:uFill>
-              <a:latin typeface="Arial"/>
-            </a:endParaRPr>
-          </a:p>
-          <a:p>
-            <a:pPr marL="216000" indent="-216000">
+            <a:endParaRPr b="0" lang="en-IN" sz="1800" spc="-1" strike="noStrike">
+              <a:solidFill>
+                <a:srgbClr val="000000"/>
+              </a:solidFill>
+              <a:uFill>
+                <a:solidFill>
+                  <a:srgbClr val="ffffff"/>
+                </a:solidFill>
+              </a:uFill>
+              <a:latin typeface="Arial"/>
+            </a:endParaRPr>
+          </a:p>
+          <a:p>
+            <a:pPr marL="216000" indent="-215640">
               <a:lnSpc>
                 <a:spcPct val="100000"/>
               </a:lnSpc>
@@ -3838,20 +3568,20 @@
               </a:rPr>
               <a:t>Hash routing allows us to embed the exact state of the web app in the page URL.</a:t>
             </a:r>
-            <a:endParaRPr b="0" lang="en-IN" sz="4600" spc="-1" strike="noStrike">
-              <a:solidFill>
-                <a:srgbClr val="000000"/>
-              </a:solidFill>
-              <a:uFill>
-                <a:solidFill>
-                  <a:srgbClr val="ffffff"/>
-                </a:solidFill>
-              </a:uFill>
-              <a:latin typeface="Arial"/>
-            </a:endParaRPr>
-          </a:p>
-          <a:p>
-            <a:pPr marL="216000" indent="-216000">
+            <a:endParaRPr b="0" lang="en-IN" sz="1800" spc="-1" strike="noStrike">
+              <a:solidFill>
+                <a:srgbClr val="000000"/>
+              </a:solidFill>
+              <a:uFill>
+                <a:solidFill>
+                  <a:srgbClr val="ffffff"/>
+                </a:solidFill>
+              </a:uFill>
+              <a:latin typeface="Arial"/>
+            </a:endParaRPr>
+          </a:p>
+          <a:p>
+            <a:pPr marL="216000" indent="-215640">
               <a:lnSpc>
                 <a:spcPct val="100000"/>
               </a:lnSpc>
@@ -3877,7 +3607,7 @@
               </a:rPr>
               <a:t>Attaching element to an id instead of doing the opposite can allow unit-testing of DOM elements.</a:t>
             </a:r>
-            <a:endParaRPr b="0" lang="en-IN" sz="4600" spc="-1" strike="noStrike">
+            <a:endParaRPr b="0" lang="en-IN" sz="1800" spc="-1" strike="noStrike">
               <a:solidFill>
                 <a:srgbClr val="000000"/>
               </a:solidFill>
@@ -3895,7 +3625,7 @@
                 <a:spcPct val="100000"/>
               </a:lnSpc>
             </a:pPr>
-            <a:endParaRPr b="0" lang="en-IN" sz="4600" spc="-1" strike="noStrike">
+            <a:endParaRPr b="0" lang="en-IN" sz="1800" spc="-1" strike="noStrike">
               <a:solidFill>
                 <a:srgbClr val="000000"/>
               </a:solidFill>
@@ -3913,30 +3643,30 @@
                 <a:spcPct val="100000"/>
               </a:lnSpc>
             </a:pPr>
-            <a:endParaRPr b="0" lang="en-IN" sz="4600" spc="-1" strike="noStrike">
-              <a:solidFill>
-                <a:srgbClr val="000000"/>
-              </a:solidFill>
-              <a:uFill>
-                <a:solidFill>
-                  <a:srgbClr val="ffffff"/>
-                </a:solidFill>
-              </a:uFill>
-              <a:latin typeface="Arial"/>
-            </a:endParaRPr>
-          </a:p>
-        </p:txBody>
-      </p:sp>
-      <p:sp>
-        <p:nvSpPr>
-          <p:cNvPr id="56" name="CustomShape 17"/>
+            <a:endParaRPr b="0" lang="en-IN" sz="1800" spc="-1" strike="noStrike">
+              <a:solidFill>
+                <a:srgbClr val="000000"/>
+              </a:solidFill>
+              <a:uFill>
+                <a:solidFill>
+                  <a:srgbClr val="ffffff"/>
+                </a:solidFill>
+              </a:uFill>
+              <a:latin typeface="Arial"/>
+            </a:endParaRPr>
+          </a:p>
+        </p:txBody>
+      </p:sp>
+      <p:sp>
+        <p:nvSpPr>
+          <p:cNvPr id="54" name="CustomShape 17"/>
           <p:cNvSpPr/>
           <p:nvPr/>
         </p:nvSpPr>
         <p:spPr>
           <a:xfrm>
             <a:off x="1008000" y="11304000"/>
-            <a:ext cx="10800000" cy="12312000"/>
+            <a:ext cx="10799640" cy="12311640"/>
           </a:xfrm>
           <a:prstGeom prst="rect">
             <a:avLst/>
@@ -3955,7 +3685,7 @@
         <p:txBody>
           <a:bodyPr lIns="90000" rIns="90000" tIns="45000" bIns="45000"/>
           <a:p>
-            <a:pPr marL="216000" indent="-216000">
+            <a:pPr marL="216000" indent="-215640">
               <a:lnSpc>
                 <a:spcPct val="100000"/>
               </a:lnSpc>
@@ -3981,20 +3711,20 @@
               </a:rPr>
               <a:t>Lab data microservice helps to get the meta data of all the virtual labs. All the other micro services can view and manipulate this data. Our dashboard allows the user to perform CRUD (Create, Read, Update and Delete) operations on this data. </a:t>
             </a:r>
-            <a:endParaRPr b="0" lang="en-IN" sz="4400" spc="-1" strike="noStrike">
-              <a:solidFill>
-                <a:srgbClr val="000000"/>
-              </a:solidFill>
-              <a:uFill>
-                <a:solidFill>
-                  <a:srgbClr val="ffffff"/>
-                </a:solidFill>
-              </a:uFill>
-              <a:latin typeface="Arial"/>
-            </a:endParaRPr>
-          </a:p>
-          <a:p>
-            <a:pPr marL="216000" indent="-216000">
+            <a:endParaRPr b="0" lang="en-IN" sz="1800" spc="-1" strike="noStrike">
+              <a:solidFill>
+                <a:srgbClr val="000000"/>
+              </a:solidFill>
+              <a:uFill>
+                <a:solidFill>
+                  <a:srgbClr val="ffffff"/>
+                </a:solidFill>
+              </a:uFill>
+              <a:latin typeface="Arial"/>
+            </a:endParaRPr>
+          </a:p>
+          <a:p>
+            <a:pPr marL="216000" indent="-215640">
               <a:lnSpc>
                 <a:spcPct val="100000"/>
               </a:lnSpc>
@@ -4020,20 +3750,20 @@
               </a:rPr>
               <a:t>The most notable difference between a regular website and an SPA, like our dashboard is user experience since SPAs have a heavier usage of AJAX - a way to communicate with back-end servers without doing a full page refresh. </a:t>
             </a:r>
-            <a:endParaRPr b="0" lang="en-IN" sz="4400" spc="-1" strike="noStrike">
-              <a:solidFill>
-                <a:srgbClr val="000000"/>
-              </a:solidFill>
-              <a:uFill>
-                <a:solidFill>
-                  <a:srgbClr val="ffffff"/>
-                </a:solidFill>
-              </a:uFill>
-              <a:latin typeface="Arial"/>
-            </a:endParaRPr>
-          </a:p>
-          <a:p>
-            <a:pPr marL="216000" indent="-216000">
+            <a:endParaRPr b="0" lang="en-IN" sz="1800" spc="-1" strike="noStrike">
+              <a:solidFill>
+                <a:srgbClr val="000000"/>
+              </a:solidFill>
+              <a:uFill>
+                <a:solidFill>
+                  <a:srgbClr val="ffffff"/>
+                </a:solidFill>
+              </a:uFill>
+              <a:latin typeface="Arial"/>
+            </a:endParaRPr>
+          </a:p>
+          <a:p>
+            <a:pPr marL="216000" indent="-215640">
               <a:lnSpc>
                 <a:spcPct val="100000"/>
               </a:lnSpc>
@@ -4041,7 +3771,7 @@
                 <a:srgbClr val="000000"/>
               </a:buClr>
               <a:buSzPct val="45000"/>
-              <a:buFont typeface="Symbol" charset="2"/>
+              <a:buFont typeface="Symbol"/>
               <a:buChar char=""/>
             </a:pPr>
             <a:r>
@@ -4059,7 +3789,7 @@
               </a:rPr>
               <a:t>As a result, the process of rendering pages happens mostly on the client-side and navigation depends on a router which tweaks the content of address bar and notifies rest of the system of the URL changes without the page reload.</a:t>
             </a:r>
-            <a:endParaRPr b="0" lang="en-IN" sz="4400" spc="-1" strike="noStrike">
+            <a:endParaRPr b="0" lang="en-IN" sz="1800" spc="-1" strike="noStrike">
               <a:solidFill>
                 <a:srgbClr val="000000"/>
               </a:solidFill>
@@ -4075,7 +3805,7 @@
       </p:sp>
       <p:pic>
         <p:nvPicPr>
-          <p:cNvPr id="57" name="" descr=""/>
+          <p:cNvPr id="55" name="" descr=""/>
           <p:cNvPicPr/>
           <p:nvPr/>
         </p:nvPicPr>
@@ -4086,7 +3816,7 @@
         <p:spPr>
           <a:xfrm>
             <a:off x="13215240" y="18792000"/>
-            <a:ext cx="11552760" cy="7378560"/>
+            <a:ext cx="11552400" cy="7378200"/>
           </a:xfrm>
           <a:prstGeom prst="rect">
             <a:avLst/>

--- a/posters/LabDataServiceDashboard.pptx
+++ b/posters/LabDataServiceDashboard.pptx
@@ -2992,7 +2992,7 @@
                 <a:latin typeface="Calibri"/>
                 <a:ea typeface="Verdana"/>
               </a:rPr>
-              <a:t>For logging in to the dashboard, google credentials of the user are needed since authentication is done using Google OAuth service.</a:t>
+              <a:t>For logging in to the dashboard, google credentials of the user are required since authentication is done using Google OAuth service.</a:t>
             </a:r>
             <a:endParaRPr b="0" lang="en-IN" sz="1800" spc="-1" strike="noStrike">
               <a:solidFill>
@@ -3031,7 +3031,7 @@
                 <a:latin typeface="Calibri"/>
                 <a:ea typeface="Verdana"/>
               </a:rPr>
-              <a:t>Role and Session management has been implemented using Python Flask-Login.</a:t>
+              <a:t>Roles and Session management has been implemented using Python Flask-Login.</a:t>
             </a:r>
             <a:endParaRPr b="0" lang="en-IN" sz="1800" spc="-1" strike="noStrike">
               <a:solidFill>
@@ -3109,7 +3109,7 @@
                 <a:latin typeface="Calibri"/>
                 <a:ea typeface="Verdana"/>
               </a:rPr>
-              <a:t>JSON specification has been dealt for rendering the view rather than template rendering.</a:t>
+              <a:t>We have dealt with JSON specification for rendering the view rather than template rendering.</a:t>
             </a:r>
             <a:endParaRPr b="0" lang="en-IN" sz="1800" spc="-1" strike="noStrike">
               <a:solidFill>
@@ -3148,7 +3148,7 @@
                 <a:latin typeface="Calibri"/>
                 <a:ea typeface="Verdana"/>
               </a:rPr>
-              <a:t>Hash route in the URL decides which section of the view to be displayed on the browser screen at that moment.</a:t>
+              <a:t>Hash route in the URL decides which section of the view is to be displayed on the browser screen at that moment.</a:t>
             </a:r>
             <a:endParaRPr b="0" lang="en-IN" sz="1800" spc="-1" strike="noStrike">
               <a:solidFill>
@@ -3187,7 +3187,7 @@
                 <a:latin typeface="Calibri"/>
                 <a:ea typeface="Verdana"/>
               </a:rPr>
-              <a:t>In the future with the addition of new roles with new access rights, automation of the JSON spec generation can be done.</a:t>
+              <a:t>In the future ,if new roles are to be added with new access rights, automation of the JSON spec generation can be done.</a:t>
             </a:r>
             <a:endParaRPr b="0" lang="en-IN" sz="1800" spc="-1" strike="noStrike">
               <a:solidFill>
